--- a/中越詩歌/復活_Phục sinh.pptx
+++ b/中越詩歌/復活_Phục sinh.pptx
@@ -120,6 +120,11 @@
       </a:defRPr>
     </a:lvl9pPr>
   </p:defaultTextStyle>
+  <p:extLst>
+    <p:ext uri="{EFAFB233-063F-42B5-8137-9DF3F51BA10A}">
+      <p15:sldGuideLst xmlns:p15="http://schemas.microsoft.com/office/powerpoint/2012/main"/>
+    </p:ext>
+  </p:extLst>
 </p:presentation>
 </file>
 
@@ -304,7 +309,7 @@
           <a:p>
             <a:fld id="{FBC9A1F5-00EA-497C-8047-E90A8E3C79F4}" type="datetimeFigureOut">
               <a:rPr lang="vi-VN" smtClean="0"/>
-              <a:t>11/04/2022</a:t>
+              <a:t>14/04/2022</a:t>
             </a:fld>
             <a:endParaRPr lang="vi-VN"/>
           </a:p>
@@ -474,7 +479,7 @@
           <a:p>
             <a:fld id="{FBC9A1F5-00EA-497C-8047-E90A8E3C79F4}" type="datetimeFigureOut">
               <a:rPr lang="vi-VN" smtClean="0"/>
-              <a:t>11/04/2022</a:t>
+              <a:t>14/04/2022</a:t>
             </a:fld>
             <a:endParaRPr lang="vi-VN"/>
           </a:p>
@@ -654,7 +659,7 @@
           <a:p>
             <a:fld id="{FBC9A1F5-00EA-497C-8047-E90A8E3C79F4}" type="datetimeFigureOut">
               <a:rPr lang="vi-VN" smtClean="0"/>
-              <a:t>11/04/2022</a:t>
+              <a:t>14/04/2022</a:t>
             </a:fld>
             <a:endParaRPr lang="vi-VN"/>
           </a:p>
@@ -824,7 +829,7 @@
           <a:p>
             <a:fld id="{FBC9A1F5-00EA-497C-8047-E90A8E3C79F4}" type="datetimeFigureOut">
               <a:rPr lang="vi-VN" smtClean="0"/>
-              <a:t>11/04/2022</a:t>
+              <a:t>14/04/2022</a:t>
             </a:fld>
             <a:endParaRPr lang="vi-VN"/>
           </a:p>
@@ -1070,7 +1075,7 @@
           <a:p>
             <a:fld id="{FBC9A1F5-00EA-497C-8047-E90A8E3C79F4}" type="datetimeFigureOut">
               <a:rPr lang="vi-VN" smtClean="0"/>
-              <a:t>11/04/2022</a:t>
+              <a:t>14/04/2022</a:t>
             </a:fld>
             <a:endParaRPr lang="vi-VN"/>
           </a:p>
@@ -1358,7 +1363,7 @@
           <a:p>
             <a:fld id="{FBC9A1F5-00EA-497C-8047-E90A8E3C79F4}" type="datetimeFigureOut">
               <a:rPr lang="vi-VN" smtClean="0"/>
-              <a:t>11/04/2022</a:t>
+              <a:t>14/04/2022</a:t>
             </a:fld>
             <a:endParaRPr lang="vi-VN"/>
           </a:p>
@@ -1780,7 +1785,7 @@
           <a:p>
             <a:fld id="{FBC9A1F5-00EA-497C-8047-E90A8E3C79F4}" type="datetimeFigureOut">
               <a:rPr lang="vi-VN" smtClean="0"/>
-              <a:t>11/04/2022</a:t>
+              <a:t>14/04/2022</a:t>
             </a:fld>
             <a:endParaRPr lang="vi-VN"/>
           </a:p>
@@ -1898,7 +1903,7 @@
           <a:p>
             <a:fld id="{FBC9A1F5-00EA-497C-8047-E90A8E3C79F4}" type="datetimeFigureOut">
               <a:rPr lang="vi-VN" smtClean="0"/>
-              <a:t>11/04/2022</a:t>
+              <a:t>14/04/2022</a:t>
             </a:fld>
             <a:endParaRPr lang="vi-VN"/>
           </a:p>
@@ -1993,7 +1998,7 @@
           <a:p>
             <a:fld id="{FBC9A1F5-00EA-497C-8047-E90A8E3C79F4}" type="datetimeFigureOut">
               <a:rPr lang="vi-VN" smtClean="0"/>
-              <a:t>11/04/2022</a:t>
+              <a:t>14/04/2022</a:t>
             </a:fld>
             <a:endParaRPr lang="vi-VN"/>
           </a:p>
@@ -2270,7 +2275,7 @@
           <a:p>
             <a:fld id="{FBC9A1F5-00EA-497C-8047-E90A8E3C79F4}" type="datetimeFigureOut">
               <a:rPr lang="vi-VN" smtClean="0"/>
-              <a:t>11/04/2022</a:t>
+              <a:t>14/04/2022</a:t>
             </a:fld>
             <a:endParaRPr lang="vi-VN"/>
           </a:p>
@@ -2527,7 +2532,7 @@
           <a:p>
             <a:fld id="{FBC9A1F5-00EA-497C-8047-E90A8E3C79F4}" type="datetimeFigureOut">
               <a:rPr lang="vi-VN" smtClean="0"/>
-              <a:t>11/04/2022</a:t>
+              <a:t>14/04/2022</a:t>
             </a:fld>
             <a:endParaRPr lang="vi-VN"/>
           </a:p>
@@ -2745,7 +2750,7 @@
           <a:p>
             <a:fld id="{FBC9A1F5-00EA-497C-8047-E90A8E3C79F4}" type="datetimeFigureOut">
               <a:rPr lang="vi-VN" smtClean="0"/>
-              <a:t>11/04/2022</a:t>
+              <a:t>14/04/2022</a:t>
             </a:fld>
             <a:endParaRPr lang="vi-VN"/>
           </a:p>
@@ -7004,74 +7009,185 @@
               <a:buNone/>
             </a:pPr>
             <a:r>
-              <a:rPr lang="fr-FR" dirty="0"/>
+              <a:rPr lang="fr-FR" sz="4000" b="1" dirty="0">
+                <a:solidFill>
+                  <a:srgbClr val="660033"/>
+                </a:solidFill>
+                <a:latin typeface="Calibri" panose="020F0502020204030204" pitchFamily="34" charset="0"/>
+                <a:ea typeface="微軟正黑體" pitchFamily="34" charset="-120"/>
+                <a:cs typeface="Calibri" panose="020F0502020204030204" pitchFamily="34" charset="0"/>
+              </a:rPr>
               <a:t>Là </a:t>
             </a:r>
             <a:r>
-              <a:rPr lang="fr-FR" dirty="0" err="1"/>
+              <a:rPr lang="fr-FR" sz="4000" b="1" dirty="0" err="1">
+                <a:solidFill>
+                  <a:srgbClr val="660033"/>
+                </a:solidFill>
+                <a:latin typeface="Calibri" panose="020F0502020204030204" pitchFamily="34" charset="0"/>
+                <a:ea typeface="微軟正黑體" pitchFamily="34" charset="-120"/>
+                <a:cs typeface="Calibri" panose="020F0502020204030204" pitchFamily="34" charset="0"/>
+              </a:rPr>
               <a:t>Vua</a:t>
             </a:r>
             <a:r>
-              <a:rPr lang="fr-FR" dirty="0"/>
+              <a:rPr lang="fr-FR" sz="4000" b="1" dirty="0">
+                <a:solidFill>
+                  <a:srgbClr val="660033"/>
+                </a:solidFill>
+                <a:latin typeface="Calibri" panose="020F0502020204030204" pitchFamily="34" charset="0"/>
+                <a:ea typeface="微軟正黑體" pitchFamily="34" charset="-120"/>
+                <a:cs typeface="Calibri" panose="020F0502020204030204" pitchFamily="34" charset="0"/>
+              </a:rPr>
               <a:t> </a:t>
             </a:r>
             <a:r>
-              <a:rPr lang="fr-FR" dirty="0" err="1"/>
+              <a:rPr lang="fr-FR" sz="4000" b="1" dirty="0" err="1">
+                <a:solidFill>
+                  <a:srgbClr val="660033"/>
+                </a:solidFill>
+                <a:latin typeface="Calibri" panose="020F0502020204030204" pitchFamily="34" charset="0"/>
+                <a:ea typeface="微軟正黑體" pitchFamily="34" charset="-120"/>
+                <a:cs typeface="Calibri" panose="020F0502020204030204" pitchFamily="34" charset="0"/>
+              </a:rPr>
               <a:t>trên</a:t>
             </a:r>
             <a:r>
-              <a:rPr lang="fr-FR" dirty="0"/>
+              <a:rPr lang="fr-FR" sz="4000" b="1" dirty="0">
+                <a:solidFill>
+                  <a:srgbClr val="660033"/>
+                </a:solidFill>
+                <a:latin typeface="Calibri" panose="020F0502020204030204" pitchFamily="34" charset="0"/>
+                <a:ea typeface="微軟正黑體" pitchFamily="34" charset="-120"/>
+                <a:cs typeface="Calibri" panose="020F0502020204030204" pitchFamily="34" charset="0"/>
+              </a:rPr>
               <a:t> </a:t>
             </a:r>
             <a:r>
-              <a:rPr lang="fr-FR" dirty="0" err="1"/>
+              <a:rPr lang="fr-FR" sz="4000" b="1" dirty="0" err="1">
+                <a:solidFill>
+                  <a:srgbClr val="660033"/>
+                </a:solidFill>
+                <a:latin typeface="Calibri" panose="020F0502020204030204" pitchFamily="34" charset="0"/>
+                <a:ea typeface="微軟正黑體" pitchFamily="34" charset="-120"/>
+                <a:cs typeface="Calibri" panose="020F0502020204030204" pitchFamily="34" charset="0"/>
+              </a:rPr>
               <a:t>muôn</a:t>
             </a:r>
             <a:r>
-              <a:rPr lang="fr-FR" dirty="0"/>
+              <a:rPr lang="fr-FR" sz="4000" b="1" dirty="0">
+                <a:solidFill>
+                  <a:srgbClr val="660033"/>
+                </a:solidFill>
+                <a:latin typeface="Calibri" panose="020F0502020204030204" pitchFamily="34" charset="0"/>
+                <a:ea typeface="微軟正黑體" pitchFamily="34" charset="-120"/>
+                <a:cs typeface="Calibri" panose="020F0502020204030204" pitchFamily="34" charset="0"/>
+              </a:rPr>
               <a:t> </a:t>
             </a:r>
             <a:r>
-              <a:rPr lang="fr-FR" dirty="0" err="1"/>
+              <a:rPr lang="fr-FR" sz="4000" b="1" dirty="0" err="1">
+                <a:solidFill>
+                  <a:srgbClr val="660033"/>
+                </a:solidFill>
+                <a:latin typeface="Calibri" panose="020F0502020204030204" pitchFamily="34" charset="0"/>
+                <a:ea typeface="微軟正黑體" pitchFamily="34" charset="-120"/>
+                <a:cs typeface="Calibri" panose="020F0502020204030204" pitchFamily="34" charset="0"/>
+              </a:rPr>
               <a:t>vua</a:t>
             </a:r>
             <a:r>
-              <a:rPr lang="fr-FR" dirty="0"/>
+              <a:rPr lang="fr-FR" sz="4000" b="1" dirty="0">
+                <a:solidFill>
+                  <a:srgbClr val="660033"/>
+                </a:solidFill>
+                <a:latin typeface="Calibri" panose="020F0502020204030204" pitchFamily="34" charset="0"/>
+                <a:ea typeface="微軟正黑體" pitchFamily="34" charset="-120"/>
+                <a:cs typeface="Calibri" panose="020F0502020204030204" pitchFamily="34" charset="0"/>
+              </a:rPr>
               <a:t>, </a:t>
             </a:r>
             <a:r>
-              <a:rPr lang="fr-FR" dirty="0" err="1"/>
+              <a:rPr lang="fr-FR" sz="4000" b="1" dirty="0" err="1">
+                <a:solidFill>
+                  <a:srgbClr val="660033"/>
+                </a:solidFill>
+                <a:latin typeface="Calibri" panose="020F0502020204030204" pitchFamily="34" charset="0"/>
+                <a:ea typeface="微軟正黑體" pitchFamily="34" charset="-120"/>
+                <a:cs typeface="Calibri" panose="020F0502020204030204" pitchFamily="34" charset="0"/>
+              </a:rPr>
               <a:t>Chúa</a:t>
             </a:r>
             <a:r>
-              <a:rPr lang="fr-FR" dirty="0"/>
+              <a:rPr lang="fr-FR" sz="4000" b="1" dirty="0">
+                <a:solidFill>
+                  <a:srgbClr val="660033"/>
+                </a:solidFill>
+                <a:latin typeface="Calibri" panose="020F0502020204030204" pitchFamily="34" charset="0"/>
+                <a:ea typeface="微軟正黑體" pitchFamily="34" charset="-120"/>
+                <a:cs typeface="Calibri" panose="020F0502020204030204" pitchFamily="34" charset="0"/>
+              </a:rPr>
               <a:t> </a:t>
             </a:r>
             <a:r>
-              <a:rPr lang="fr-FR" dirty="0" err="1"/>
+              <a:rPr lang="fr-FR" sz="4000" b="1" dirty="0" err="1">
+                <a:solidFill>
+                  <a:srgbClr val="660033"/>
+                </a:solidFill>
+                <a:latin typeface="Calibri" panose="020F0502020204030204" pitchFamily="34" charset="0"/>
+                <a:ea typeface="微軟正黑體" pitchFamily="34" charset="-120"/>
+                <a:cs typeface="Calibri" panose="020F0502020204030204" pitchFamily="34" charset="0"/>
+              </a:rPr>
               <a:t>trên</a:t>
             </a:r>
             <a:r>
-              <a:rPr lang="fr-FR" dirty="0"/>
+              <a:rPr lang="fr-FR" sz="4000" b="1" dirty="0">
+                <a:solidFill>
+                  <a:srgbClr val="660033"/>
+                </a:solidFill>
+                <a:latin typeface="Calibri" panose="020F0502020204030204" pitchFamily="34" charset="0"/>
+                <a:ea typeface="微軟正黑體" pitchFamily="34" charset="-120"/>
+                <a:cs typeface="Calibri" panose="020F0502020204030204" pitchFamily="34" charset="0"/>
+              </a:rPr>
               <a:t> </a:t>
             </a:r>
             <a:r>
-              <a:rPr lang="fr-FR" dirty="0" err="1"/>
+              <a:rPr lang="fr-FR" sz="4000" b="1" dirty="0" err="1">
+                <a:solidFill>
+                  <a:srgbClr val="660033"/>
+                </a:solidFill>
+                <a:latin typeface="Calibri" panose="020F0502020204030204" pitchFamily="34" charset="0"/>
+                <a:ea typeface="微軟正黑體" pitchFamily="34" charset="-120"/>
+                <a:cs typeface="Calibri" panose="020F0502020204030204" pitchFamily="34" charset="0"/>
+              </a:rPr>
               <a:t>muôn</a:t>
             </a:r>
             <a:r>
-              <a:rPr lang="fr-FR" dirty="0"/>
+              <a:rPr lang="fr-FR" sz="4000" b="1" dirty="0">
+                <a:solidFill>
+                  <a:srgbClr val="660033"/>
+                </a:solidFill>
+                <a:latin typeface="Calibri" panose="020F0502020204030204" pitchFamily="34" charset="0"/>
+                <a:ea typeface="微軟正黑體" pitchFamily="34" charset="-120"/>
+                <a:cs typeface="Calibri" panose="020F0502020204030204" pitchFamily="34" charset="0"/>
+              </a:rPr>
               <a:t> </a:t>
             </a:r>
             <a:r>
-              <a:rPr lang="fr-FR" dirty="0" err="1"/>
+              <a:rPr lang="fr-FR" sz="4000" b="1" dirty="0" err="1">
+                <a:solidFill>
+                  <a:srgbClr val="660033"/>
+                </a:solidFill>
+                <a:latin typeface="Calibri" panose="020F0502020204030204" pitchFamily="34" charset="0"/>
+                <a:ea typeface="微軟正黑體" pitchFamily="34" charset="-120"/>
+                <a:cs typeface="Calibri" panose="020F0502020204030204" pitchFamily="34" charset="0"/>
+              </a:rPr>
               <a:t>chúa</a:t>
             </a:r>
             <a:endParaRPr lang="en-US" sz="4000" b="1" dirty="0">
               <a:solidFill>
                 <a:srgbClr val="660033"/>
               </a:solidFill>
-              <a:effectLst/>
               <a:latin typeface="Calibri" panose="020F0502020204030204" pitchFamily="34" charset="0"/>
               <a:ea typeface="微軟正黑體" pitchFamily="34" charset="-120"/>
               <a:cs typeface="Calibri" panose="020F0502020204030204" pitchFamily="34" charset="0"/>
@@ -10068,29 +10184,8 @@
                 <a:ea typeface="微軟正黑體" pitchFamily="34" charset="-120"/>
                 <a:cs typeface="Calibri" panose="020F0502020204030204" pitchFamily="34" charset="0"/>
               </a:rPr>
-              <a:t> </a:t>
-            </a:r>
-            <a:r>
-              <a:rPr lang="en-US" sz="4000" b="1" dirty="0">
-                <a:solidFill>
-                  <a:srgbClr val="660033"/>
-                </a:solidFill>
-                <a:effectLst/>
-                <a:latin typeface="Calibri" panose="020F0502020204030204" pitchFamily="34" charset="0"/>
-                <a:ea typeface="微軟正黑體" pitchFamily="34" charset="-120"/>
-                <a:cs typeface="Calibri" panose="020F0502020204030204" pitchFamily="34" charset="0"/>
-              </a:rPr>
-              <a:t>minh</a:t>
-            </a:r>
-            <a:endParaRPr lang="en-US" sz="4000" b="1" dirty="0">
-              <a:solidFill>
-                <a:srgbClr val="660033"/>
-              </a:solidFill>
-              <a:effectLst/>
-              <a:latin typeface="Calibri" panose="020F0502020204030204" pitchFamily="34" charset="0"/>
-              <a:ea typeface="微軟正黑體" pitchFamily="34" charset="-120"/>
-              <a:cs typeface="Calibri" panose="020F0502020204030204" pitchFamily="34" charset="0"/>
-            </a:endParaRPr>
+              <a:t> minh</a:t>
+            </a:r>
           </a:p>
         </p:txBody>
       </p:sp>
